--- a/Documentation/Slides/Week_10.pptx
+++ b/Documentation/Slides/Week_10.pptx
@@ -5,7 +5,7 @@
     <p:sldMasterId id="2147483648" r:id="rId4"/>
   </p:sldMasterIdLst>
   <p:notesMasterIdLst>
-    <p:notesMasterId r:id="rId13"/>
+    <p:notesMasterId r:id="rId14"/>
   </p:notesMasterIdLst>
   <p:sldIdLst>
     <p:sldId id="267" r:id="rId5"/>
@@ -13,38 +13,39 @@
     <p:sldId id="280" r:id="rId7"/>
     <p:sldId id="285" r:id="rId8"/>
     <p:sldId id="286" r:id="rId9"/>
-    <p:sldId id="287" r:id="rId10"/>
-    <p:sldId id="278" r:id="rId11"/>
-    <p:sldId id="277" r:id="rId12"/>
+    <p:sldId id="288" r:id="rId10"/>
+    <p:sldId id="287" r:id="rId11"/>
+    <p:sldId id="278" r:id="rId12"/>
+    <p:sldId id="277" r:id="rId13"/>
   </p:sldIdLst>
   <p:sldSz cx="9144000" cy="6858000" type="screen4x3"/>
   <p:notesSz cx="6858000" cy="9144000"/>
   <p:embeddedFontLst>
     <p:embeddedFont>
       <p:font typeface="Acumin Pro Condensed Semibold" panose="020B0706020202020204" pitchFamily="34" charset="77"/>
-      <p:regular r:id="rId14"/>
-      <p:bold r:id="rId15"/>
-      <p:italic r:id="rId16"/>
-      <p:boldItalic r:id="rId17"/>
+      <p:regular r:id="rId15"/>
+      <p:bold r:id="rId16"/>
+      <p:italic r:id="rId17"/>
+      <p:boldItalic r:id="rId18"/>
     </p:embeddedFont>
     <p:embeddedFont>
       <p:font typeface="Acumin Pro Medium" panose="020B0604020202020204" pitchFamily="34" charset="77"/>
-      <p:regular r:id="rId18"/>
-      <p:italic r:id="rId19"/>
+      <p:regular r:id="rId19"/>
+      <p:italic r:id="rId20"/>
     </p:embeddedFont>
     <p:embeddedFont>
       <p:font typeface="Franklin Gothic Book" panose="020B0503020102020204" pitchFamily="34" charset="0"/>
-      <p:regular r:id="rId20"/>
-      <p:italic r:id="rId21"/>
+      <p:regular r:id="rId21"/>
+      <p:italic r:id="rId22"/>
     </p:embeddedFont>
     <p:embeddedFont>
       <p:font typeface="Franklin Gothic Medium" panose="020B0603020102020204" pitchFamily="34" charset="0"/>
-      <p:regular r:id="rId22"/>
-      <p:italic r:id="rId23"/>
+      <p:regular r:id="rId23"/>
+      <p:italic r:id="rId24"/>
     </p:embeddedFont>
     <p:embeddedFont>
       <p:font typeface="Franklin Gothic Medium Cond" panose="020B0606030402020204" pitchFamily="34" charset="0"/>
-      <p:regular r:id="rId24"/>
+      <p:regular r:id="rId25"/>
     </p:embeddedFont>
   </p:embeddedFontLst>
   <p:defaultTextStyle>
@@ -13597,7 +13598,7 @@
             </a:r>
             <a:r>
               <a:rPr lang="en-US" dirty="0"/>
-              <a:t>12</a:t>
+              <a:t>13</a:t>
             </a:r>
             <a:endParaRPr lang="en-US" b="1" dirty="0">
               <a:latin typeface="Acumin Pro Condensed Semibold" panose="020B0506020202020204" pitchFamily="34" charset="77"/>
@@ -13660,7 +13661,7 @@
           <a:p>
             <a:r>
               <a:rPr lang="en-US" dirty="0"/>
-              <a:t>11/14/2025</a:t>
+              <a:t>11/21/2025</a:t>
             </a:r>
           </a:p>
         </p:txBody>
@@ -13760,7 +13761,15 @@
             </a:pPr>
             <a:r>
               <a:rPr lang="en-US" dirty="0"/>
-              <a:t>BOM Generation</a:t>
+              <a:t>BOM +  </a:t>
+            </a:r>
+            <a:r>
+              <a:rPr lang="en-US" dirty="0" err="1"/>
+              <a:t>PoS</a:t>
+            </a:r>
+            <a:r>
+              <a:rPr lang="en-US" dirty="0"/>
+              <a:t> File Generation</a:t>
             </a:r>
           </a:p>
           <a:p>
@@ -14025,7 +14034,7 @@
             </a:pPr>
             <a:r>
               <a:rPr lang="en-US" dirty="0"/>
-              <a:t>All have ~24 hour lead time</a:t>
+              <a:t>All have ~24 hour lead time + 3 day PCBA time</a:t>
             </a:r>
           </a:p>
           <a:p>
@@ -14324,7 +14333,7 @@
           <a:p>
             <a:r>
               <a:rPr lang="en-US" dirty="0"/>
-              <a:t>Several Design Choices/Sacrifices had to be made</a:t>
+              <a:t>Several Different Design Choices</a:t>
             </a:r>
           </a:p>
         </p:txBody>
@@ -14414,6 +14423,26 @@
             <a:r>
               <a:rPr lang="en-US" dirty="0"/>
               <a:t>Finished Rev. 1 Design</a:t>
+            </a:r>
+          </a:p>
+          <a:p>
+            <a:pPr marL="628650" lvl="1" indent="-285750">
+              <a:buFont typeface="Arial" panose="020B0604020202020204" pitchFamily="34" charset="0"/>
+              <a:buChar char="•"/>
+            </a:pPr>
+            <a:r>
+              <a:rPr lang="en-US" dirty="0"/>
+              <a:t>Slightly larger frame for PCB than (insufficient area to increase price)</a:t>
+            </a:r>
+          </a:p>
+          <a:p>
+            <a:pPr marL="628650" lvl="1" indent="-285750">
+              <a:buFont typeface="Arial" panose="020B0604020202020204" pitchFamily="34" charset="0"/>
+              <a:buChar char="•"/>
+            </a:pPr>
+            <a:r>
+              <a:rPr lang="en-US" dirty="0"/>
+              <a:t>8 vias (1 may be cause of concern)</a:t>
             </a:r>
           </a:p>
         </p:txBody>
@@ -14440,8 +14469,8 @@
         </p:blipFill>
         <p:spPr>
           <a:xfrm>
-            <a:off x="5122985" y="2129097"/>
-            <a:ext cx="3678114" cy="4092206"/>
+            <a:off x="5627077" y="2689941"/>
+            <a:ext cx="3174022" cy="3531362"/>
           </a:xfrm>
           <a:prstGeom prst="rect">
             <a:avLst/>
@@ -14470,8 +14499,8 @@
         </p:blipFill>
         <p:spPr>
           <a:xfrm>
-            <a:off x="504092" y="2221506"/>
-            <a:ext cx="4402645" cy="3888160"/>
+            <a:off x="591386" y="2705856"/>
+            <a:ext cx="3980614" cy="3515447"/>
           </a:xfrm>
           <a:prstGeom prst="rect">
             <a:avLst/>
@@ -14499,6 +14528,233 @@
         <p:cNvPr id="1" name="">
           <a:extLst>
             <a:ext uri="{FF2B5EF4-FFF2-40B4-BE49-F238E27FC236}">
+              <a16:creationId xmlns:a16="http://schemas.microsoft.com/office/drawing/2014/main" id="{4CD40A8B-44A3-C624-A5E5-1DAAE432FCDC}"/>
+            </a:ext>
+          </a:extLst>
+        </p:cNvPr>
+        <p:cNvGrpSpPr/>
+        <p:nvPr/>
+      </p:nvGrpSpPr>
+      <p:grpSpPr>
+        <a:xfrm>
+          <a:off x="0" y="0"/>
+          <a:ext cx="0" cy="0"/>
+          <a:chOff x="0" y="0"/>
+          <a:chExt cx="0" cy="0"/>
+        </a:xfrm>
+      </p:grpSpPr>
+      <p:sp>
+        <p:nvSpPr>
+          <p:cNvPr id="4" name="Title 3">
+            <a:extLst>
+              <a:ext uri="{FF2B5EF4-FFF2-40B4-BE49-F238E27FC236}">
+                <a16:creationId xmlns:a16="http://schemas.microsoft.com/office/drawing/2014/main" id="{C828196B-E023-FAA1-F04E-669C361F96D1}"/>
+              </a:ext>
+            </a:extLst>
+          </p:cNvPr>
+          <p:cNvSpPr>
+            <a:spLocks noGrp="1"/>
+          </p:cNvSpPr>
+          <p:nvPr>
+            <p:ph type="title"/>
+          </p:nvPr>
+        </p:nvSpPr>
+        <p:spPr>
+          <a:xfrm>
+            <a:off x="351064" y="385004"/>
+            <a:ext cx="8450036" cy="589032"/>
+          </a:xfrm>
+        </p:spPr>
+        <p:txBody>
+          <a:bodyPr anchor="ctr">
+            <a:normAutofit/>
+          </a:bodyPr>
+          <a:lstStyle/>
+          <a:p>
+            <a:r>
+              <a:rPr lang="en-US" dirty="0"/>
+              <a:t>Final Routing</a:t>
+            </a:r>
+          </a:p>
+        </p:txBody>
+      </p:sp>
+      <p:sp>
+        <p:nvSpPr>
+          <p:cNvPr id="8" name="Text Placeholder 7">
+            <a:extLst>
+              <a:ext uri="{FF2B5EF4-FFF2-40B4-BE49-F238E27FC236}">
+                <a16:creationId xmlns:a16="http://schemas.microsoft.com/office/drawing/2014/main" id="{D160473B-FE64-EE86-7EA7-373C94DF95FD}"/>
+              </a:ext>
+            </a:extLst>
+          </p:cNvPr>
+          <p:cNvSpPr>
+            <a:spLocks noGrp="1"/>
+          </p:cNvSpPr>
+          <p:nvPr>
+            <p:ph idx="12"/>
+          </p:nvPr>
+        </p:nvSpPr>
+        <p:spPr>
+          <a:xfrm>
+            <a:off x="351065" y="1543324"/>
+            <a:ext cx="4059877" cy="4390338"/>
+          </a:xfrm>
+        </p:spPr>
+        <p:txBody>
+          <a:bodyPr>
+            <a:normAutofit/>
+          </a:bodyPr>
+          <a:lstStyle/>
+          <a:p>
+            <a:pPr marL="285750" indent="-285750">
+              <a:buFont typeface="Arial" panose="020B0604020202020204" pitchFamily="34" charset="0"/>
+              <a:buChar char="•"/>
+            </a:pPr>
+            <a:r>
+              <a:rPr lang="en-US" dirty="0"/>
+              <a:t>Location of vias and rest of board shown below</a:t>
+            </a:r>
+          </a:p>
+          <a:p>
+            <a:pPr marL="285750" indent="-285750">
+              <a:buFont typeface="Arial" panose="020B0604020202020204" pitchFamily="34" charset="0"/>
+              <a:buChar char="•"/>
+            </a:pPr>
+            <a:r>
+              <a:rPr lang="en-US" dirty="0"/>
+              <a:t>Would prefer review of 1+ other individuals</a:t>
+            </a:r>
+          </a:p>
+        </p:txBody>
+      </p:sp>
+      <p:pic>
+        <p:nvPicPr>
+          <p:cNvPr id="6" name="Picture 5" descr="A computer screen shot of a circuit board&#10;&#10;AI-generated content may be incorrect.">
+            <a:extLst>
+              <a:ext uri="{FF2B5EF4-FFF2-40B4-BE49-F238E27FC236}">
+                <a16:creationId xmlns:a16="http://schemas.microsoft.com/office/drawing/2014/main" id="{5905BBDA-A410-DC80-CD3C-8DECA6A5A957}"/>
+              </a:ext>
+            </a:extLst>
+          </p:cNvPr>
+          <p:cNvPicPr>
+            <a:picLocks noChangeAspect="1"/>
+          </p:cNvPicPr>
+          <p:nvPr/>
+        </p:nvPicPr>
+        <p:blipFill>
+          <a:blip r:embed="rId2"/>
+          <a:stretch>
+            <a:fillRect/>
+          </a:stretch>
+        </p:blipFill>
+        <p:spPr>
+          <a:xfrm>
+            <a:off x="4731868" y="1562433"/>
+            <a:ext cx="4069232" cy="4352120"/>
+          </a:xfrm>
+          <a:prstGeom prst="rect">
+            <a:avLst/>
+          </a:prstGeom>
+          <a:noFill/>
+        </p:spPr>
+      </p:pic>
+      <p:sp>
+        <p:nvSpPr>
+          <p:cNvPr id="2" name="Text Placeholder 1">
+            <a:extLst>
+              <a:ext uri="{FF2B5EF4-FFF2-40B4-BE49-F238E27FC236}">
+                <a16:creationId xmlns:a16="http://schemas.microsoft.com/office/drawing/2014/main" id="{730E65DA-509E-6030-E8CC-6C75F0BB5F15}"/>
+              </a:ext>
+            </a:extLst>
+          </p:cNvPr>
+          <p:cNvSpPr>
+            <a:spLocks noGrp="1"/>
+          </p:cNvSpPr>
+          <p:nvPr>
+            <p:ph type="body" sz="quarter" idx="11"/>
+          </p:nvPr>
+        </p:nvSpPr>
+        <p:spPr>
+          <a:xfrm>
+            <a:off x="342900" y="954291"/>
+            <a:ext cx="8458200" cy="365760"/>
+          </a:xfrm>
+        </p:spPr>
+        <p:txBody>
+          <a:bodyPr>
+            <a:normAutofit lnSpcReduction="10000"/>
+          </a:bodyPr>
+          <a:lstStyle/>
+          <a:p>
+            <a:r>
+              <a:rPr lang="en-US" dirty="0"/>
+              <a:t>Traces on PCB Board</a:t>
+            </a:r>
+          </a:p>
+        </p:txBody>
+      </p:sp>
+      <p:sp>
+        <p:nvSpPr>
+          <p:cNvPr id="5" name="Footer Placeholder 4">
+            <a:extLst>
+              <a:ext uri="{FF2B5EF4-FFF2-40B4-BE49-F238E27FC236}">
+                <a16:creationId xmlns:a16="http://schemas.microsoft.com/office/drawing/2014/main" id="{A4174F78-24E3-D53A-0614-275F8BF48320}"/>
+              </a:ext>
+            </a:extLst>
+          </p:cNvPr>
+          <p:cNvSpPr>
+            <a:spLocks noGrp="1"/>
+          </p:cNvSpPr>
+          <p:nvPr>
+            <p:ph type="ftr" sz="quarter" idx="14"/>
+          </p:nvPr>
+        </p:nvSpPr>
+        <p:spPr>
+          <a:xfrm>
+            <a:off x="7461174" y="6295058"/>
+            <a:ext cx="1339925" cy="323970"/>
+          </a:xfrm>
+        </p:spPr>
+        <p:txBody>
+          <a:bodyPr anchor="ctr">
+            <a:normAutofit/>
+          </a:bodyPr>
+          <a:lstStyle/>
+          <a:p>
+            <a:pPr algn="r">
+              <a:spcAft>
+                <a:spcPts val="600"/>
+              </a:spcAft>
+            </a:pPr>
+            <a:r>
+              <a:rPr lang="en-US" dirty="0"/>
+              <a:t>3/7</a:t>
+            </a:r>
+            <a:endParaRPr lang="en-US"/>
+          </a:p>
+        </p:txBody>
+      </p:sp>
+    </p:spTree>
+    <p:extLst>
+      <p:ext uri="{BB962C8B-B14F-4D97-AF65-F5344CB8AC3E}">
+        <p14:creationId xmlns:p14="http://schemas.microsoft.com/office/powerpoint/2010/main" val="3005701121"/>
+      </p:ext>
+    </p:extLst>
+  </p:cSld>
+  <p:clrMapOvr>
+    <a:masterClrMapping/>
+  </p:clrMapOvr>
+</p:sld>
+</file>
+
+<file path=ppt/slides/slide7.xml><?xml version="1.0" encoding="utf-8"?>
+<p:sld xmlns:a="http://schemas.openxmlformats.org/drawingml/2006/main" xmlns:r="http://schemas.openxmlformats.org/officeDocument/2006/relationships" xmlns:p="http://schemas.openxmlformats.org/presentationml/2006/main">
+  <p:cSld>
+    <p:spTree>
+      <p:nvGrpSpPr>
+        <p:cNvPr id="1" name="">
+          <a:extLst>
+            <a:ext uri="{FF2B5EF4-FFF2-40B4-BE49-F238E27FC236}">
               <a16:creationId xmlns:a16="http://schemas.microsoft.com/office/drawing/2014/main" id="{0D5A71EC-2697-80FB-9277-F0CEA131DFFA}"/>
             </a:ext>
           </a:extLst>
@@ -14553,7 +14809,7 @@
             </a:r>
             <a:r>
               <a:rPr lang="en-US" dirty="0"/>
-              <a:t> and placement files</a:t>
+              <a:t> and .pos files</a:t>
             </a:r>
           </a:p>
         </p:txBody>
@@ -14690,7 +14946,7 @@
 </p:sld>
 </file>
 
-<file path=ppt/slides/slide7.xml><?xml version="1.0" encoding="utf-8"?>
+<file path=ppt/slides/slide8.xml><?xml version="1.0" encoding="utf-8"?>
 <p:sld xmlns:a="http://schemas.openxmlformats.org/drawingml/2006/main" xmlns:r="http://schemas.openxmlformats.org/officeDocument/2006/relationships" xmlns:p="http://schemas.openxmlformats.org/presentationml/2006/main">
   <p:cSld>
     <p:spTree>
@@ -14772,7 +15028,17 @@
             </a:pPr>
             <a:r>
               <a:rPr lang="en-US" dirty="0"/>
-              <a:t>Test PCBs</a:t>
+              <a:t>Order PCBs before break</a:t>
+            </a:r>
+          </a:p>
+          <a:p>
+            <a:pPr marL="628650" lvl="1" indent="-285750">
+              <a:buFont typeface="Arial" panose="020B0604020202020204" pitchFamily="34" charset="0"/>
+              <a:buChar char="•"/>
+            </a:pPr>
+            <a:r>
+              <a:rPr lang="en-US" dirty="0"/>
+              <a:t>Fill out form 12 from ordering office</a:t>
             </a:r>
           </a:p>
           <a:p>
@@ -14782,7 +15048,17 @@
             </a:pPr>
             <a:r>
               <a:rPr lang="en-US" dirty="0"/>
-              <a:t>Work on app store application for Nicla Sense while PCBs are being ordered</a:t>
+              <a:t>Work on app store application</a:t>
+            </a:r>
+          </a:p>
+          <a:p>
+            <a:pPr marL="628650" lvl="1" indent="-285750">
+              <a:buFont typeface="Arial" panose="020B0604020202020204" pitchFamily="34" charset="0"/>
+              <a:buChar char="•"/>
+            </a:pPr>
+            <a:r>
+              <a:rPr lang="en-US" dirty="0"/>
+              <a:t>Developer app for monitoring Niclas + Sensors</a:t>
             </a:r>
           </a:p>
         </p:txBody>
@@ -14857,7 +15133,7 @@
 </p:sld>
 </file>
 
-<file path=ppt/slides/slide8.xml><?xml version="1.0" encoding="utf-8"?>
+<file path=ppt/slides/slide9.xml><?xml version="1.0" encoding="utf-8"?>
 <p:sld xmlns:a="http://schemas.openxmlformats.org/drawingml/2006/main" xmlns:r="http://schemas.openxmlformats.org/officeDocument/2006/relationships" xmlns:p="http://schemas.openxmlformats.org/presentationml/2006/main">
   <p:cSld>
     <p:spTree>
